--- a/documents/Top5_Presentation_v1.0.pptx
+++ b/documents/Top5_Presentation_v1.0.pptx
@@ -18734,52 +18734,6 @@
               </a:rPr>
               <a:t>Embryo Billy</a:t>
             </a:r>
-          </a:p>
-          <a:p>
-            <a:pPr algn="ctr">
-              <a:lnSpc>
-                <a:spcPct val="150000"/>
-              </a:lnSpc>
-            </a:pPr>
-            <a:endParaRPr lang="en-US" sz="3600" b="1" u="sng" dirty="0">
-              <a:solidFill>
-                <a:schemeClr val="tx1"/>
-              </a:solidFill>
-              <a:latin typeface="Trebuchet MS" panose="020B0603020202020204" pitchFamily="34" charset="0"/>
-            </a:endParaRPr>
-          </a:p>
-          <a:p>
-            <a:pPr algn="ctr">
-              <a:lnSpc>
-                <a:spcPct val="150000"/>
-              </a:lnSpc>
-            </a:pPr>
-            <a:r>
-              <a:rPr lang="en-US" sz="3600" b="1" u="sng" dirty="0">
-                <a:solidFill>
-                  <a:schemeClr val="tx1">
-                    <a:lumMod val="75000"/>
-                  </a:schemeClr>
-                </a:solidFill>
-                <a:latin typeface="Trebuchet MS" panose="020B0603020202020204" pitchFamily="34" charset="0"/>
-                <a:hlinkClick r:id="rId2" action="ppaction://hlinkfile">
-                  <a:extLst>
-                    <a:ext uri="{A12FA001-AC4F-418D-AE19-62706E023703}">
-                      <ahyp:hlinkClr xmlns:ahyp="http://schemas.microsoft.com/office/drawing/2018/hyperlinkcolor" val="tx"/>
-                    </a:ext>
-                  </a:extLst>
-                </a:hlinkClick>
-              </a:rPr>
-              <a:t>DEMO TIME</a:t>
-            </a:r>
-            <a:endParaRPr lang="en-US" sz="3200" dirty="0">
-              <a:solidFill>
-                <a:schemeClr val="tx1">
-                  <a:lumMod val="75000"/>
-                </a:schemeClr>
-              </a:solidFill>
-              <a:latin typeface="Trebuchet MS" panose="020B0603020202020204" pitchFamily="34" charset="0"/>
-            </a:endParaRPr>
           </a:p>
         </p:txBody>
       </p:sp>
